--- a/homework3/PCA.pptx
+++ b/homework3/PCA.pptx
@@ -8,8 +8,8 @@
     <p:sldId id="256" r:id="rId2"/>
     <p:sldId id="258" r:id="rId3"/>
     <p:sldId id="259" r:id="rId4"/>
-    <p:sldId id="260" r:id="rId5"/>
-    <p:sldId id="261" r:id="rId6"/>
+    <p:sldId id="262" r:id="rId5"/>
+    <p:sldId id="260" r:id="rId6"/>
   </p:sldIdLst>
   <p:sldSz cx="9144000" cy="6858000" type="screen4x3"/>
   <p:notesSz cx="6858000" cy="9144000"/>
@@ -292,6 +292,7 @@
           <a:p>
             <a:fld id="{00401FEC-193F-4523-A7EE-17C0E31C6938}" type="datetimeFigureOut">
               <a:rPr lang="tr-TR" smtClean="0"/>
+              <a:pPr/>
               <a:t>06.08.2020</a:t>
             </a:fld>
             <a:endParaRPr lang="tr-TR"/>
@@ -334,6 +335,7 @@
           <a:p>
             <a:fld id="{C8648E0B-6045-4BF9-8494-647F3612BA87}" type="slidenum">
               <a:rPr lang="tr-TR" smtClean="0"/>
+              <a:pPr/>
               <a:t>‹#›</a:t>
             </a:fld>
             <a:endParaRPr lang="tr-TR"/>
@@ -457,6 +459,7 @@
           <a:p>
             <a:fld id="{00401FEC-193F-4523-A7EE-17C0E31C6938}" type="datetimeFigureOut">
               <a:rPr lang="tr-TR" smtClean="0"/>
+              <a:pPr/>
               <a:t>06.08.2020</a:t>
             </a:fld>
             <a:endParaRPr lang="tr-TR"/>
@@ -499,6 +502,7 @@
           <a:p>
             <a:fld id="{C8648E0B-6045-4BF9-8494-647F3612BA87}" type="slidenum">
               <a:rPr lang="tr-TR" smtClean="0"/>
+              <a:pPr/>
               <a:t>‹#›</a:t>
             </a:fld>
             <a:endParaRPr lang="tr-TR"/>
@@ -632,6 +636,7 @@
           <a:p>
             <a:fld id="{00401FEC-193F-4523-A7EE-17C0E31C6938}" type="datetimeFigureOut">
               <a:rPr lang="tr-TR" smtClean="0"/>
+              <a:pPr/>
               <a:t>06.08.2020</a:t>
             </a:fld>
             <a:endParaRPr lang="tr-TR"/>
@@ -674,6 +679,7 @@
           <a:p>
             <a:fld id="{C8648E0B-6045-4BF9-8494-647F3612BA87}" type="slidenum">
               <a:rPr lang="tr-TR" smtClean="0"/>
+              <a:pPr/>
               <a:t>‹#›</a:t>
             </a:fld>
             <a:endParaRPr lang="tr-TR"/>
@@ -797,6 +803,7 @@
           <a:p>
             <a:fld id="{00401FEC-193F-4523-A7EE-17C0E31C6938}" type="datetimeFigureOut">
               <a:rPr lang="tr-TR" smtClean="0"/>
+              <a:pPr/>
               <a:t>06.08.2020</a:t>
             </a:fld>
             <a:endParaRPr lang="tr-TR"/>
@@ -839,6 +846,7 @@
           <a:p>
             <a:fld id="{C8648E0B-6045-4BF9-8494-647F3612BA87}" type="slidenum">
               <a:rPr lang="tr-TR" smtClean="0"/>
+              <a:pPr/>
               <a:t>‹#›</a:t>
             </a:fld>
             <a:endParaRPr lang="tr-TR"/>
@@ -1038,6 +1046,7 @@
           <a:p>
             <a:fld id="{00401FEC-193F-4523-A7EE-17C0E31C6938}" type="datetimeFigureOut">
               <a:rPr lang="tr-TR" smtClean="0"/>
+              <a:pPr/>
               <a:t>06.08.2020</a:t>
             </a:fld>
             <a:endParaRPr lang="tr-TR"/>
@@ -1080,6 +1089,7 @@
           <a:p>
             <a:fld id="{C8648E0B-6045-4BF9-8494-647F3612BA87}" type="slidenum">
               <a:rPr lang="tr-TR" smtClean="0"/>
+              <a:pPr/>
               <a:t>‹#›</a:t>
             </a:fld>
             <a:endParaRPr lang="tr-TR"/>
@@ -1321,6 +1331,7 @@
           <a:p>
             <a:fld id="{00401FEC-193F-4523-A7EE-17C0E31C6938}" type="datetimeFigureOut">
               <a:rPr lang="tr-TR" smtClean="0"/>
+              <a:pPr/>
               <a:t>06.08.2020</a:t>
             </a:fld>
             <a:endParaRPr lang="tr-TR"/>
@@ -1363,6 +1374,7 @@
           <a:p>
             <a:fld id="{C8648E0B-6045-4BF9-8494-647F3612BA87}" type="slidenum">
               <a:rPr lang="tr-TR" smtClean="0"/>
+              <a:pPr/>
               <a:t>‹#›</a:t>
             </a:fld>
             <a:endParaRPr lang="tr-TR"/>
@@ -1738,6 +1750,7 @@
           <a:p>
             <a:fld id="{00401FEC-193F-4523-A7EE-17C0E31C6938}" type="datetimeFigureOut">
               <a:rPr lang="tr-TR" smtClean="0"/>
+              <a:pPr/>
               <a:t>06.08.2020</a:t>
             </a:fld>
             <a:endParaRPr lang="tr-TR"/>
@@ -1780,6 +1793,7 @@
           <a:p>
             <a:fld id="{C8648E0B-6045-4BF9-8494-647F3612BA87}" type="slidenum">
               <a:rPr lang="tr-TR" smtClean="0"/>
+              <a:pPr/>
               <a:t>‹#›</a:t>
             </a:fld>
             <a:endParaRPr lang="tr-TR"/>
@@ -1851,6 +1865,7 @@
           <a:p>
             <a:fld id="{00401FEC-193F-4523-A7EE-17C0E31C6938}" type="datetimeFigureOut">
               <a:rPr lang="tr-TR" smtClean="0"/>
+              <a:pPr/>
               <a:t>06.08.2020</a:t>
             </a:fld>
             <a:endParaRPr lang="tr-TR"/>
@@ -1893,6 +1908,7 @@
           <a:p>
             <a:fld id="{C8648E0B-6045-4BF9-8494-647F3612BA87}" type="slidenum">
               <a:rPr lang="tr-TR" smtClean="0"/>
+              <a:pPr/>
               <a:t>‹#›</a:t>
             </a:fld>
             <a:endParaRPr lang="tr-TR"/>
@@ -1941,6 +1957,7 @@
           <a:p>
             <a:fld id="{00401FEC-193F-4523-A7EE-17C0E31C6938}" type="datetimeFigureOut">
               <a:rPr lang="tr-TR" smtClean="0"/>
+              <a:pPr/>
               <a:t>06.08.2020</a:t>
             </a:fld>
             <a:endParaRPr lang="tr-TR"/>
@@ -1983,6 +2000,7 @@
           <a:p>
             <a:fld id="{C8648E0B-6045-4BF9-8494-647F3612BA87}" type="slidenum">
               <a:rPr lang="tr-TR" smtClean="0"/>
+              <a:pPr/>
               <a:t>‹#›</a:t>
             </a:fld>
             <a:endParaRPr lang="tr-TR"/>
@@ -2213,6 +2231,7 @@
           <a:p>
             <a:fld id="{00401FEC-193F-4523-A7EE-17C0E31C6938}" type="datetimeFigureOut">
               <a:rPr lang="tr-TR" smtClean="0"/>
+              <a:pPr/>
               <a:t>06.08.2020</a:t>
             </a:fld>
             <a:endParaRPr lang="tr-TR"/>
@@ -2255,6 +2274,7 @@
           <a:p>
             <a:fld id="{C8648E0B-6045-4BF9-8494-647F3612BA87}" type="slidenum">
               <a:rPr lang="tr-TR" smtClean="0"/>
+              <a:pPr/>
               <a:t>‹#›</a:t>
             </a:fld>
             <a:endParaRPr lang="tr-TR"/>
@@ -2461,6 +2481,7 @@
           <a:p>
             <a:fld id="{00401FEC-193F-4523-A7EE-17C0E31C6938}" type="datetimeFigureOut">
               <a:rPr lang="tr-TR" smtClean="0"/>
+              <a:pPr/>
               <a:t>06.08.2020</a:t>
             </a:fld>
             <a:endParaRPr lang="tr-TR"/>
@@ -2503,6 +2524,7 @@
           <a:p>
             <a:fld id="{C8648E0B-6045-4BF9-8494-647F3612BA87}" type="slidenum">
               <a:rPr lang="tr-TR" smtClean="0"/>
+              <a:pPr/>
               <a:t>‹#›</a:t>
             </a:fld>
             <a:endParaRPr lang="tr-TR"/>
@@ -2669,6 +2691,7 @@
           <a:p>
             <a:fld id="{00401FEC-193F-4523-A7EE-17C0E31C6938}" type="datetimeFigureOut">
               <a:rPr lang="tr-TR" smtClean="0"/>
+              <a:pPr/>
               <a:t>06.08.2020</a:t>
             </a:fld>
             <a:endParaRPr lang="tr-TR"/>
@@ -2747,6 +2770,7 @@
           <a:p>
             <a:fld id="{C8648E0B-6045-4BF9-8494-647F3612BA87}" type="slidenum">
               <a:rPr lang="tr-TR" smtClean="0"/>
+              <a:pPr/>
               <a:t>‹#›</a:t>
             </a:fld>
             <a:endParaRPr lang="tr-TR"/>
@@ -3447,7 +3471,7 @@
         </p:blipFill>
         <p:spPr bwMode="auto">
           <a:xfrm>
-            <a:off x="500034" y="1214422"/>
+            <a:off x="214282" y="1214422"/>
             <a:ext cx="5214974" cy="2857520"/>
           </a:xfrm>
           <a:prstGeom prst="rect">
@@ -3480,7 +3504,7 @@
         </p:blipFill>
         <p:spPr bwMode="auto">
           <a:xfrm>
-            <a:off x="4357718" y="3929090"/>
+            <a:off x="4357686" y="3857628"/>
             <a:ext cx="4786314" cy="3000372"/>
           </a:xfrm>
           <a:prstGeom prst="rect">
@@ -3528,41 +3552,15 @@
           <a:chExt cx="0" cy="0"/>
         </a:xfrm>
       </p:grpSpPr>
-      <p:sp>
-        <p:nvSpPr>
-          <p:cNvPr id="2" name="1 Başlık"/>
-          <p:cNvSpPr>
-            <a:spLocks noGrp="1"/>
-          </p:cNvSpPr>
-          <p:nvPr>
-            <p:ph type="title"/>
-          </p:nvPr>
-        </p:nvSpPr>
-        <p:spPr>
-          <a:xfrm>
-            <a:off x="357158" y="500042"/>
-            <a:ext cx="8229600" cy="1066800"/>
-          </a:xfrm>
-        </p:spPr>
-        <p:txBody>
-          <a:bodyPr/>
-          <a:lstStyle/>
-          <a:p>
-            <a:r>
-              <a:rPr lang="tr-TR" dirty="0" err="1" smtClean="0"/>
-              <a:t>Components</a:t>
-            </a:r>
-            <a:endParaRPr lang="tr-TR" dirty="0"/>
-          </a:p>
-        </p:txBody>
-      </p:sp>
       <p:pic>
         <p:nvPicPr>
-          <p:cNvPr id="28674" name="Picture 2"/>
+          <p:cNvPr id="1026" name="Picture 2"/>
           <p:cNvPicPr>
-            <a:picLocks noChangeAspect="1" noChangeArrowheads="1"/>
+            <a:picLocks noGrp="1" noChangeAspect="1" noChangeArrowheads="1"/>
           </p:cNvPicPr>
-          <p:nvPr/>
+          <p:nvPr>
+            <p:ph idx="1"/>
+          </p:nvPr>
         </p:nvPicPr>
         <p:blipFill>
           <a:blip r:embed="rId2"/>
@@ -3573,8 +3571,8 @@
         </p:blipFill>
         <p:spPr bwMode="auto">
           <a:xfrm>
-            <a:off x="285720" y="2571744"/>
-            <a:ext cx="3800475" cy="2552700"/>
+            <a:off x="285720" y="642918"/>
+            <a:ext cx="4276725" cy="2743200"/>
           </a:xfrm>
           <a:prstGeom prst="rect">
             <a:avLst/>
@@ -3589,9 +3587,43 @@
           <a:effectLst/>
         </p:spPr>
       </p:pic>
+      <p:sp>
+        <p:nvSpPr>
+          <p:cNvPr id="5" name="4 Metin kutusu"/>
+          <p:cNvSpPr txBox="1"/>
+          <p:nvPr/>
+        </p:nvSpPr>
+        <p:spPr>
+          <a:xfrm>
+            <a:off x="714348" y="214290"/>
+            <a:ext cx="1714512" cy="369332"/>
+          </a:xfrm>
+          <a:prstGeom prst="rect">
+            <a:avLst/>
+          </a:prstGeom>
+          <a:noFill/>
+        </p:spPr>
+        <p:txBody>
+          <a:bodyPr wrap="square" rtlCol="0">
+            <a:spAutoFit/>
+          </a:bodyPr>
+          <a:lstStyle/>
+          <a:p>
+            <a:r>
+              <a:rPr lang="tr-TR" dirty="0" err="1" smtClean="0"/>
+              <a:t>Component</a:t>
+            </a:r>
+            <a:r>
+              <a:rPr lang="tr-TR" dirty="0" smtClean="0"/>
+              <a:t>=15</a:t>
+            </a:r>
+            <a:endParaRPr lang="tr-TR" dirty="0"/>
+          </a:p>
+        </p:txBody>
+      </p:sp>
       <p:pic>
         <p:nvPicPr>
-          <p:cNvPr id="28675" name="Picture 3"/>
+          <p:cNvPr id="1027" name="Picture 3"/>
           <p:cNvPicPr>
             <a:picLocks noChangeAspect="1" noChangeArrowheads="1"/>
           </p:cNvPicPr>
@@ -3606,8 +3638,8 @@
         </p:blipFill>
         <p:spPr bwMode="auto">
           <a:xfrm>
-            <a:off x="4572000" y="2571744"/>
-            <a:ext cx="3867150" cy="2552700"/>
+            <a:off x="214282" y="3786190"/>
+            <a:ext cx="4524375" cy="2857500"/>
           </a:xfrm>
           <a:prstGeom prst="rect">
             <a:avLst/>
@@ -3622,18 +3654,145 @@
           <a:effectLst/>
         </p:spPr>
       </p:pic>
+      <p:sp>
+        <p:nvSpPr>
+          <p:cNvPr id="7" name="6 Metin kutusu"/>
+          <p:cNvSpPr txBox="1"/>
+          <p:nvPr/>
+        </p:nvSpPr>
+        <p:spPr>
+          <a:xfrm>
+            <a:off x="714348" y="3429000"/>
+            <a:ext cx="1714512" cy="369332"/>
+          </a:xfrm>
+          <a:prstGeom prst="rect">
+            <a:avLst/>
+          </a:prstGeom>
+          <a:noFill/>
+        </p:spPr>
+        <p:txBody>
+          <a:bodyPr wrap="square" rtlCol="0">
+            <a:spAutoFit/>
+          </a:bodyPr>
+          <a:lstStyle/>
+          <a:p>
+            <a:r>
+              <a:rPr lang="tr-TR" dirty="0" err="1" smtClean="0"/>
+              <a:t>Component</a:t>
+            </a:r>
+            <a:r>
+              <a:rPr lang="tr-TR" dirty="0" smtClean="0"/>
+              <a:t>=20</a:t>
+            </a:r>
+            <a:endParaRPr lang="tr-TR" dirty="0"/>
+          </a:p>
+        </p:txBody>
+      </p:sp>
+      <p:pic>
+        <p:nvPicPr>
+          <p:cNvPr id="1028" name="Picture 4"/>
+          <p:cNvPicPr>
+            <a:picLocks noChangeAspect="1" noChangeArrowheads="1"/>
+          </p:cNvPicPr>
+          <p:nvPr/>
+        </p:nvPicPr>
+        <p:blipFill>
+          <a:blip r:embed="rId4"/>
+          <a:srcRect/>
+          <a:stretch>
+            <a:fillRect/>
+          </a:stretch>
+        </p:blipFill>
+        <p:spPr bwMode="auto">
+          <a:xfrm>
+            <a:off x="4643438" y="457200"/>
+            <a:ext cx="4400550" cy="2971800"/>
+          </a:xfrm>
+          <a:prstGeom prst="rect">
+            <a:avLst/>
+          </a:prstGeom>
+          <a:noFill/>
+          <a:ln w="9525">
+            <a:noFill/>
+            <a:miter lim="800000"/>
+            <a:headEnd/>
+            <a:tailEnd/>
+          </a:ln>
+          <a:effectLst/>
+        </p:spPr>
+      </p:pic>
+      <p:sp>
+        <p:nvSpPr>
+          <p:cNvPr id="9" name="8 Metin kutusu"/>
+          <p:cNvSpPr txBox="1"/>
+          <p:nvPr/>
+        </p:nvSpPr>
+        <p:spPr>
+          <a:xfrm>
+            <a:off x="4929190" y="214290"/>
+            <a:ext cx="1714512" cy="369332"/>
+          </a:xfrm>
+          <a:prstGeom prst="rect">
+            <a:avLst/>
+          </a:prstGeom>
+          <a:noFill/>
+        </p:spPr>
+        <p:txBody>
+          <a:bodyPr wrap="square" rtlCol="0">
+            <a:spAutoFit/>
+          </a:bodyPr>
+          <a:lstStyle/>
+          <a:p>
+            <a:r>
+              <a:rPr lang="tr-TR" dirty="0" err="1" smtClean="0"/>
+              <a:t>Component</a:t>
+            </a:r>
+            <a:r>
+              <a:rPr lang="tr-TR" dirty="0" smtClean="0"/>
+              <a:t>=50</a:t>
+            </a:r>
+            <a:endParaRPr lang="tr-TR" dirty="0"/>
+          </a:p>
+        </p:txBody>
+      </p:sp>
+      <p:pic>
+        <p:nvPicPr>
+          <p:cNvPr id="1029" name="Picture 5"/>
+          <p:cNvPicPr>
+            <a:picLocks noChangeAspect="1" noChangeArrowheads="1"/>
+          </p:cNvPicPr>
+          <p:nvPr/>
+        </p:nvPicPr>
+        <p:blipFill>
+          <a:blip r:embed="rId5"/>
+          <a:srcRect/>
+          <a:stretch>
+            <a:fillRect/>
+          </a:stretch>
+        </p:blipFill>
+        <p:spPr bwMode="auto">
+          <a:xfrm>
+            <a:off x="4695856" y="3786210"/>
+            <a:ext cx="4305300" cy="2857500"/>
+          </a:xfrm>
+          <a:prstGeom prst="rect">
+            <a:avLst/>
+          </a:prstGeom>
+          <a:noFill/>
+          <a:ln w="9525">
+            <a:noFill/>
+            <a:miter lim="800000"/>
+            <a:headEnd/>
+            <a:tailEnd/>
+          </a:ln>
+          <a:effectLst/>
+        </p:spPr>
+      </p:pic>
     </p:spTree>
   </p:cSld>
   <p:clrMapOvr>
     <a:masterClrMapping/>
   </p:clrMapOvr>
-  <p:timing>
-    <p:tnLst>
-      <p:par>
-        <p:cTn id="1" dur="indefinite" restart="never" nodeType="tmRoot"/>
-      </p:par>
-    </p:tnLst>
-  </p:timing>
 </p:sld>
 </file>
 
@@ -3666,7 +3825,7 @@
         </p:nvSpPr>
         <p:spPr>
           <a:xfrm>
-            <a:off x="428596" y="500042"/>
+            <a:off x="357158" y="357166"/>
             <a:ext cx="8229600" cy="1066800"/>
           </a:xfrm>
         </p:spPr>
@@ -3676,7 +3835,7 @@
           <a:p>
             <a:r>
               <a:rPr lang="tr-TR" dirty="0" err="1" smtClean="0"/>
-              <a:t>Evaluation</a:t>
+              <a:t>Components</a:t>
             </a:r>
             <a:endParaRPr lang="tr-TR" dirty="0"/>
           </a:p>
@@ -3684,7 +3843,7 @@
       </p:sp>
       <p:pic>
         <p:nvPicPr>
-          <p:cNvPr id="1027" name="Picture 3"/>
+          <p:cNvPr id="28674" name="Picture 2"/>
           <p:cNvPicPr>
             <a:picLocks noChangeAspect="1" noChangeArrowheads="1"/>
           </p:cNvPicPr>
@@ -3699,8 +3858,8 @@
         </p:blipFill>
         <p:spPr bwMode="auto">
           <a:xfrm>
-            <a:off x="1785918" y="1928802"/>
-            <a:ext cx="5310225" cy="4357718"/>
+            <a:off x="214282" y="1500174"/>
+            <a:ext cx="3800475" cy="2552700"/>
           </a:xfrm>
           <a:prstGeom prst="rect">
             <a:avLst/>
@@ -3717,7 +3876,7 @@
       </p:pic>
       <p:pic>
         <p:nvPicPr>
-          <p:cNvPr id="1028" name="Picture 4"/>
+          <p:cNvPr id="28675" name="Picture 3"/>
           <p:cNvPicPr>
             <a:picLocks noChangeAspect="1" noChangeArrowheads="1"/>
           </p:cNvPicPr>
@@ -3732,8 +3891,74 @@
         </p:blipFill>
         <p:spPr bwMode="auto">
           <a:xfrm>
-            <a:off x="1785918" y="1643050"/>
-            <a:ext cx="4000528" cy="311568"/>
+            <a:off x="4500562" y="1500174"/>
+            <a:ext cx="3867150" cy="2552700"/>
+          </a:xfrm>
+          <a:prstGeom prst="rect">
+            <a:avLst/>
+          </a:prstGeom>
+          <a:noFill/>
+          <a:ln w="9525">
+            <a:noFill/>
+            <a:miter lim="800000"/>
+            <a:headEnd/>
+            <a:tailEnd/>
+          </a:ln>
+          <a:effectLst/>
+        </p:spPr>
+      </p:pic>
+      <p:pic>
+        <p:nvPicPr>
+          <p:cNvPr id="2050" name="Picture 2"/>
+          <p:cNvPicPr>
+            <a:picLocks noChangeAspect="1" noChangeArrowheads="1"/>
+          </p:cNvPicPr>
+          <p:nvPr/>
+        </p:nvPicPr>
+        <p:blipFill>
+          <a:blip r:embed="rId4"/>
+          <a:srcRect/>
+          <a:stretch>
+            <a:fillRect/>
+          </a:stretch>
+        </p:blipFill>
+        <p:spPr bwMode="auto">
+          <a:xfrm>
+            <a:off x="214282" y="4000504"/>
+            <a:ext cx="4067175" cy="2667000"/>
+          </a:xfrm>
+          <a:prstGeom prst="rect">
+            <a:avLst/>
+          </a:prstGeom>
+          <a:noFill/>
+          <a:ln w="9525">
+            <a:noFill/>
+            <a:miter lim="800000"/>
+            <a:headEnd/>
+            <a:tailEnd/>
+          </a:ln>
+          <a:effectLst/>
+        </p:spPr>
+      </p:pic>
+      <p:pic>
+        <p:nvPicPr>
+          <p:cNvPr id="2051" name="Picture 3"/>
+          <p:cNvPicPr>
+            <a:picLocks noChangeAspect="1" noChangeArrowheads="1"/>
+          </p:cNvPicPr>
+          <p:nvPr/>
+        </p:nvPicPr>
+        <p:blipFill>
+          <a:blip r:embed="rId5"/>
+          <a:srcRect/>
+          <a:stretch>
+            <a:fillRect/>
+          </a:stretch>
+        </p:blipFill>
+        <p:spPr bwMode="auto">
+          <a:xfrm>
+            <a:off x="4429124" y="4000504"/>
+            <a:ext cx="4067175" cy="2619375"/>
           </a:xfrm>
           <a:prstGeom prst="rect">
             <a:avLst/>
